--- a/Opinion_paper/figures/wordcould_VOSViewer.pptx
+++ b/Opinion_paper/figures/wordcould_VOSViewer.pptx
@@ -197,7 +197,7 @@
           <a:p>
             <a:fld id="{ECF90BAC-64BC-4CF5-B1C3-57677D7FE422}" type="datetimeFigureOut">
               <a:rPr lang="de-DE" smtClean="0"/>
-              <a:t>27.05.2024</a:t>
+              <a:t>27.06.2024</a:t>
             </a:fld>
             <a:endParaRPr lang="de-DE"/>
           </a:p>
@@ -526,10 +526,9 @@
           </a:p>
           <a:p>
             <a:r>
-              <a:rPr lang="de-DE"/>
+              <a:rPr lang="de-DE" dirty="0"/>
               <a:t>C - </a:t>
             </a:r>
-            <a:endParaRPr lang="de-DE" dirty="0"/>
           </a:p>
         </p:txBody>
       </p:sp>
@@ -700,7 +699,7 @@
           <a:p>
             <a:fld id="{DEB5B4EA-5B66-4208-A05C-F7AA88532F82}" type="datetimeFigureOut">
               <a:rPr lang="de-DE" smtClean="0"/>
-              <a:t>27.05.2024</a:t>
+              <a:t>27.06.2024</a:t>
             </a:fld>
             <a:endParaRPr lang="de-DE"/>
           </a:p>
@@ -870,7 +869,7 @@
           <a:p>
             <a:fld id="{DEB5B4EA-5B66-4208-A05C-F7AA88532F82}" type="datetimeFigureOut">
               <a:rPr lang="de-DE" smtClean="0"/>
-              <a:t>27.05.2024</a:t>
+              <a:t>27.06.2024</a:t>
             </a:fld>
             <a:endParaRPr lang="de-DE"/>
           </a:p>
@@ -1050,7 +1049,7 @@
           <a:p>
             <a:fld id="{DEB5B4EA-5B66-4208-A05C-F7AA88532F82}" type="datetimeFigureOut">
               <a:rPr lang="de-DE" smtClean="0"/>
-              <a:t>27.05.2024</a:t>
+              <a:t>27.06.2024</a:t>
             </a:fld>
             <a:endParaRPr lang="de-DE"/>
           </a:p>
@@ -1220,7 +1219,7 @@
           <a:p>
             <a:fld id="{DEB5B4EA-5B66-4208-A05C-F7AA88532F82}" type="datetimeFigureOut">
               <a:rPr lang="de-DE" smtClean="0"/>
-              <a:t>27.05.2024</a:t>
+              <a:t>27.06.2024</a:t>
             </a:fld>
             <a:endParaRPr lang="de-DE"/>
           </a:p>
@@ -1464,7 +1463,7 @@
           <a:p>
             <a:fld id="{DEB5B4EA-5B66-4208-A05C-F7AA88532F82}" type="datetimeFigureOut">
               <a:rPr lang="de-DE" smtClean="0"/>
-              <a:t>27.05.2024</a:t>
+              <a:t>27.06.2024</a:t>
             </a:fld>
             <a:endParaRPr lang="de-DE"/>
           </a:p>
@@ -1696,7 +1695,7 @@
           <a:p>
             <a:fld id="{DEB5B4EA-5B66-4208-A05C-F7AA88532F82}" type="datetimeFigureOut">
               <a:rPr lang="de-DE" smtClean="0"/>
-              <a:t>27.05.2024</a:t>
+              <a:t>27.06.2024</a:t>
             </a:fld>
             <a:endParaRPr lang="de-DE"/>
           </a:p>
@@ -2063,7 +2062,7 @@
           <a:p>
             <a:fld id="{DEB5B4EA-5B66-4208-A05C-F7AA88532F82}" type="datetimeFigureOut">
               <a:rPr lang="de-DE" smtClean="0"/>
-              <a:t>27.05.2024</a:t>
+              <a:t>27.06.2024</a:t>
             </a:fld>
             <a:endParaRPr lang="de-DE"/>
           </a:p>
@@ -2181,7 +2180,7 @@
           <a:p>
             <a:fld id="{DEB5B4EA-5B66-4208-A05C-F7AA88532F82}" type="datetimeFigureOut">
               <a:rPr lang="de-DE" smtClean="0"/>
-              <a:t>27.05.2024</a:t>
+              <a:t>27.06.2024</a:t>
             </a:fld>
             <a:endParaRPr lang="de-DE"/>
           </a:p>
@@ -2276,7 +2275,7 @@
           <a:p>
             <a:fld id="{DEB5B4EA-5B66-4208-A05C-F7AA88532F82}" type="datetimeFigureOut">
               <a:rPr lang="de-DE" smtClean="0"/>
-              <a:t>27.05.2024</a:t>
+              <a:t>27.06.2024</a:t>
             </a:fld>
             <a:endParaRPr lang="de-DE"/>
           </a:p>
@@ -2553,7 +2552,7 @@
           <a:p>
             <a:fld id="{DEB5B4EA-5B66-4208-A05C-F7AA88532F82}" type="datetimeFigureOut">
               <a:rPr lang="de-DE" smtClean="0"/>
-              <a:t>27.05.2024</a:t>
+              <a:t>27.06.2024</a:t>
             </a:fld>
             <a:endParaRPr lang="de-DE"/>
           </a:p>
@@ -2810,7 +2809,7 @@
           <a:p>
             <a:fld id="{DEB5B4EA-5B66-4208-A05C-F7AA88532F82}" type="datetimeFigureOut">
               <a:rPr lang="de-DE" smtClean="0"/>
-              <a:t>27.05.2024</a:t>
+              <a:t>27.06.2024</a:t>
             </a:fld>
             <a:endParaRPr lang="de-DE"/>
           </a:p>
@@ -3023,7 +3022,7 @@
           <a:p>
             <a:fld id="{DEB5B4EA-5B66-4208-A05C-F7AA88532F82}" type="datetimeFigureOut">
               <a:rPr lang="de-DE" smtClean="0"/>
-              <a:t>27.05.2024</a:t>
+              <a:t>27.06.2024</a:t>
             </a:fld>
             <a:endParaRPr lang="de-DE"/>
           </a:p>
@@ -3647,10 +3646,10 @@
         </p:nvGrpSpPr>
         <p:grpSpPr>
           <a:xfrm>
-            <a:off x="139025" y="3428853"/>
-            <a:ext cx="6348105" cy="5237910"/>
-            <a:chOff x="590129" y="3036328"/>
-            <a:chExt cx="5628391" cy="4644064"/>
+            <a:off x="122048" y="3428854"/>
+            <a:ext cx="6365077" cy="5237910"/>
+            <a:chOff x="646750" y="3036328"/>
+            <a:chExt cx="5517251" cy="4644064"/>
           </a:xfrm>
         </p:grpSpPr>
         <p:pic>
@@ -3675,14 +3674,13 @@
                 </a:ext>
               </a:extLst>
             </a:blip>
-            <a:stretch>
-              <a:fillRect/>
-            </a:stretch>
+            <a:srcRect/>
+            <a:stretch/>
           </p:blipFill>
           <p:spPr>
             <a:xfrm>
-              <a:off x="592230" y="3036328"/>
-              <a:ext cx="5626290" cy="4644064"/>
+              <a:off x="646750" y="3036328"/>
+              <a:ext cx="5517251" cy="4644064"/>
             </a:xfrm>
             <a:prstGeom prst="rect">
               <a:avLst/>
@@ -3710,7 +3708,7 @@
           </p:nvSpPr>
           <p:spPr>
             <a:xfrm>
-              <a:off x="590129" y="3048488"/>
+              <a:off x="655277" y="3048488"/>
               <a:ext cx="1214292" cy="366575"/>
             </a:xfrm>
             <a:prstGeom prst="rect">
